--- a/presentations/pptx/02-Plotting with ggplot2.pptx
+++ b/presentations/pptx/02-Plotting with ggplot2.pptx
@@ -5,7 +5,7 @@
     <p:sldMasterId id="2147483840" r:id="rId1"/>
   </p:sldMasterIdLst>
   <p:notesMasterIdLst>
-    <p:notesMasterId r:id="rId14"/>
+    <p:notesMasterId r:id="rId15"/>
   </p:notesMasterIdLst>
   <p:sldIdLst>
     <p:sldId id="256" r:id="rId2"/>
@@ -19,7 +19,8 @@
     <p:sldId id="263" r:id="rId10"/>
     <p:sldId id="265" r:id="rId11"/>
     <p:sldId id="266" r:id="rId12"/>
-    <p:sldId id="267" r:id="rId13"/>
+    <p:sldId id="268" r:id="rId13"/>
+    <p:sldId id="267" r:id="rId14"/>
   </p:sldIdLst>
   <p:sldSz cx="12192000" cy="6858000"/>
   <p:notesSz cx="6858000" cy="9144000"/>
@@ -219,7 +220,7 @@
           <a:p>
             <a:fld id="{5C93CA8F-50F8-44B5-B48F-4C4452AC4FCB}" type="datetimeFigureOut">
               <a:rPr lang="he-IL" smtClean="0"/>
-              <a:t>י"ט/אדר ב/תשע"ט</a:t>
+              <a:t>כ'/אדר ב/תשע"ט</a:t>
             </a:fld>
             <a:endParaRPr lang="he-IL"/>
           </a:p>
@@ -5325,6 +5326,251 @@
           <p:cNvPr id="2" name="Title 1">
             <a:extLst>
               <a:ext uri="{FF2B5EF4-FFF2-40B4-BE49-F238E27FC236}">
+                <a16:creationId xmlns:a16="http://schemas.microsoft.com/office/drawing/2014/main" id="{2611ADA1-9A7F-4E33-85E2-9F46EAD0FF7E}"/>
+              </a:ext>
+            </a:extLst>
+          </p:cNvPr>
+          <p:cNvSpPr>
+            <a:spLocks noGrp="1"/>
+          </p:cNvSpPr>
+          <p:nvPr>
+            <p:ph type="title"/>
+          </p:nvPr>
+        </p:nvSpPr>
+        <p:spPr/>
+        <p:txBody>
+          <a:bodyPr/>
+          <a:lstStyle/>
+          <a:p>
+            <a:r>
+              <a:rPr lang="en-US" dirty="0" err="1"/>
+              <a:t>tidyverse</a:t>
+            </a:r>
+            <a:r>
+              <a:rPr lang="en-US" dirty="0"/>
+              <a:t> prerequisites</a:t>
+            </a:r>
+            <a:endParaRPr lang="en-IL" dirty="0"/>
+          </a:p>
+        </p:txBody>
+      </p:sp>
+      <p:sp>
+        <p:nvSpPr>
+          <p:cNvPr id="3" name="Content Placeholder 2">
+            <a:extLst>
+              <a:ext uri="{FF2B5EF4-FFF2-40B4-BE49-F238E27FC236}">
+                <a16:creationId xmlns:a16="http://schemas.microsoft.com/office/drawing/2014/main" id="{1344D0E0-D7BC-4206-A8F0-0CB1B65FA0A2}"/>
+              </a:ext>
+            </a:extLst>
+          </p:cNvPr>
+          <p:cNvSpPr>
+            <a:spLocks noGrp="1"/>
+          </p:cNvSpPr>
+          <p:nvPr>
+            <p:ph idx="1"/>
+          </p:nvPr>
+        </p:nvSpPr>
+        <p:spPr/>
+        <p:txBody>
+          <a:bodyPr/>
+          <a:lstStyle/>
+          <a:p>
+            <a:r>
+              <a:rPr lang="en-US" dirty="0"/>
+              <a:t>Throughout the exercise you might also have the chance to use the following </a:t>
+            </a:r>
+            <a:r>
+              <a:rPr lang="en-US" dirty="0" err="1"/>
+              <a:t>tidyverse</a:t>
+            </a:r>
+            <a:r>
+              <a:rPr lang="en-US" dirty="0"/>
+              <a:t> (</a:t>
+            </a:r>
+            <a:r>
+              <a:rPr lang="en-US" dirty="0" err="1"/>
+              <a:t>dplyr</a:t>
+            </a:r>
+            <a:r>
+              <a:rPr lang="en-US" dirty="0"/>
+              <a:t>) functions:</a:t>
+            </a:r>
+          </a:p>
+          <a:p>
+            <a:pPr lvl="1"/>
+            <a:r>
+              <a:rPr lang="en-US" dirty="0"/>
+              <a:t>mutate() – create a new variable</a:t>
+            </a:r>
+          </a:p>
+          <a:p>
+            <a:pPr lvl="1"/>
+            <a:r>
+              <a:rPr lang="en-US" dirty="0"/>
+              <a:t>glimpse() – show the first few values of each vector</a:t>
+            </a:r>
+          </a:p>
+          <a:p>
+            <a:pPr lvl="1"/>
+            <a:r>
+              <a:rPr lang="en-US" dirty="0"/>
+              <a:t>filter() – filter the data according to a specific condition</a:t>
+            </a:r>
+          </a:p>
+          <a:p>
+            <a:pPr lvl="1"/>
+            <a:r>
+              <a:rPr lang="en-US" dirty="0"/>
+              <a:t>count() – count the number of observations per each combination</a:t>
+            </a:r>
+          </a:p>
+          <a:p>
+            <a:pPr lvl="1"/>
+            <a:r>
+              <a:rPr lang="en-US" dirty="0" err="1"/>
+              <a:t>group_by</a:t>
+            </a:r>
+            <a:r>
+              <a:rPr lang="en-US" dirty="0"/>
+              <a:t>() – group the dataset by a specific set of variables</a:t>
+            </a:r>
+          </a:p>
+          <a:p>
+            <a:pPr lvl="1"/>
+            <a:r>
+              <a:rPr lang="en-US" dirty="0" err="1"/>
+              <a:t>summarise</a:t>
+            </a:r>
+            <a:r>
+              <a:rPr lang="en-US" dirty="0"/>
+              <a:t>() – conduct summarizing operations (like mean or sum) according to the dataset’s grouping</a:t>
+            </a:r>
+          </a:p>
+          <a:p>
+            <a:pPr lvl="1"/>
+            <a:r>
+              <a:rPr lang="en-US" dirty="0"/>
+              <a:t>%&gt;% pipe operator</a:t>
+            </a:r>
+          </a:p>
+          <a:p>
+            <a:pPr lvl="1"/>
+            <a:endParaRPr lang="en-US" dirty="0"/>
+          </a:p>
+          <a:p>
+            <a:r>
+              <a:rPr lang="en-US" dirty="0"/>
+              <a:t>Lets demonstrate these over a live R session, via the </a:t>
+            </a:r>
+            <a:r>
+              <a:rPr lang="en-US" i="1" dirty="0" err="1"/>
+              <a:t>mtcars</a:t>
+            </a:r>
+            <a:r>
+              <a:rPr lang="en-US" i="1" dirty="0"/>
+              <a:t> </a:t>
+            </a:r>
+            <a:r>
+              <a:rPr lang="en-US" dirty="0"/>
+              <a:t>dataset.</a:t>
+            </a:r>
+            <a:endParaRPr lang="en-IL" dirty="0"/>
+          </a:p>
+        </p:txBody>
+      </p:sp>
+      <p:sp>
+        <p:nvSpPr>
+          <p:cNvPr id="4" name="Footer Placeholder 3">
+            <a:extLst>
+              <a:ext uri="{FF2B5EF4-FFF2-40B4-BE49-F238E27FC236}">
+                <a16:creationId xmlns:a16="http://schemas.microsoft.com/office/drawing/2014/main" id="{3F8EBD3F-B0EB-460D-B12C-DC32D0586615}"/>
+              </a:ext>
+            </a:extLst>
+          </p:cNvPr>
+          <p:cNvSpPr>
+            <a:spLocks noGrp="1"/>
+          </p:cNvSpPr>
+          <p:nvPr>
+            <p:ph type="ftr" sz="quarter" idx="11"/>
+          </p:nvPr>
+        </p:nvSpPr>
+        <p:spPr/>
+        <p:txBody>
+          <a:bodyPr/>
+          <a:lstStyle/>
+          <a:p>
+            <a:r>
+              <a:rPr lang="en-US"/>
+              <a:t>Materials by Adi Sarid https://adisarid.github.io and http://www.sarid-ins.com</a:t>
+            </a:r>
+            <a:endParaRPr lang="en-US" dirty="0"/>
+          </a:p>
+        </p:txBody>
+      </p:sp>
+      <p:sp>
+        <p:nvSpPr>
+          <p:cNvPr id="5" name="Slide Number Placeholder 4">
+            <a:extLst>
+              <a:ext uri="{FF2B5EF4-FFF2-40B4-BE49-F238E27FC236}">
+                <a16:creationId xmlns:a16="http://schemas.microsoft.com/office/drawing/2014/main" id="{6F2E5ED5-CF19-4EF4-A0F9-D5D8330A6D47}"/>
+              </a:ext>
+            </a:extLst>
+          </p:cNvPr>
+          <p:cNvSpPr>
+            <a:spLocks noGrp="1"/>
+          </p:cNvSpPr>
+          <p:nvPr>
+            <p:ph type="sldNum" sz="quarter" idx="12"/>
+          </p:nvPr>
+        </p:nvSpPr>
+        <p:spPr/>
+        <p:txBody>
+          <a:bodyPr/>
+          <a:lstStyle/>
+          <a:p>
+            <a:fld id="{4FAB73BC-B049-4115-A692-8D63A059BFB8}" type="slidenum">
+              <a:rPr lang="en-US" smtClean="0"/>
+              <a:t>12</a:t>
+            </a:fld>
+            <a:endParaRPr lang="en-US" dirty="0"/>
+          </a:p>
+        </p:txBody>
+      </p:sp>
+    </p:spTree>
+    <p:extLst>
+      <p:ext uri="{BB962C8B-B14F-4D97-AF65-F5344CB8AC3E}">
+        <p14:creationId xmlns:p14="http://schemas.microsoft.com/office/powerpoint/2010/main" val="1663902926"/>
+      </p:ext>
+    </p:extLst>
+  </p:cSld>
+  <p:clrMapOvr>
+    <a:masterClrMapping/>
+  </p:clrMapOvr>
+</p:sld>
+</file>
+
+<file path=ppt/slides/slide13.xml><?xml version="1.0" encoding="utf-8"?>
+<p:sld xmlns:a="http://schemas.openxmlformats.org/drawingml/2006/main" xmlns:r="http://schemas.openxmlformats.org/officeDocument/2006/relationships" xmlns:p="http://schemas.openxmlformats.org/presentationml/2006/main">
+  <p:cSld>
+    <p:spTree>
+      <p:nvGrpSpPr>
+        <p:cNvPr id="1" name=""/>
+        <p:cNvGrpSpPr/>
+        <p:nvPr/>
+      </p:nvGrpSpPr>
+      <p:grpSpPr>
+        <a:xfrm>
+          <a:off x="0" y="0"/>
+          <a:ext cx="0" cy="0"/>
+          <a:chOff x="0" y="0"/>
+          <a:chExt cx="0" cy="0"/>
+        </a:xfrm>
+      </p:grpSpPr>
+      <p:sp>
+        <p:nvSpPr>
+          <p:cNvPr id="2" name="Title 1">
+            <a:extLst>
+              <a:ext uri="{FF2B5EF4-FFF2-40B4-BE49-F238E27FC236}">
                 <a16:creationId xmlns:a16="http://schemas.microsoft.com/office/drawing/2014/main" id="{ADA01FEA-EE45-4752-AEFA-585F15DC2941}"/>
               </a:ext>
             </a:extLst>
@@ -5372,7 +5618,22 @@
           <a:p>
             <a:r>
               <a:rPr lang="en-US" dirty="0"/>
-              <a:t>From the exercise folder open 02-Plotting.Rmd</a:t>
+              <a:t>From the exercise folder open 02-Plotting.Rmd and start </a:t>
+            </a:r>
+          </a:p>
+          <a:p>
+            <a:pPr lvl="1"/>
+            <a:r>
+              <a:rPr lang="en-US" dirty="0"/>
+              <a:t>“Exercise 1: the </a:t>
+            </a:r>
+            <a:r>
+              <a:rPr lang="en-US" i="1" dirty="0"/>
+              <a:t>google play</a:t>
+            </a:r>
+            <a:r>
+              <a:rPr lang="en-US" dirty="0"/>
+              <a:t> dataset”</a:t>
             </a:r>
           </a:p>
           <a:p>
@@ -5436,7 +5697,7 @@
           <a:p>
             <a:fld id="{4FAB73BC-B049-4115-A692-8D63A059BFB8}" type="slidenum">
               <a:rPr lang="en-US" smtClean="0"/>
-              <a:t>12</a:t>
+              <a:t>13</a:t>
             </a:fld>
             <a:endParaRPr lang="en-US" dirty="0"/>
           </a:p>

--- a/presentations/pptx/02-Plotting with ggplot2.pptx
+++ b/presentations/pptx/02-Plotting with ggplot2.pptx
@@ -5,7 +5,7 @@
     <p:sldMasterId id="2147483840" r:id="rId1"/>
   </p:sldMasterIdLst>
   <p:notesMasterIdLst>
-    <p:notesMasterId r:id="rId15"/>
+    <p:notesMasterId r:id="rId18"/>
   </p:notesMasterIdLst>
   <p:sldIdLst>
     <p:sldId id="256" r:id="rId2"/>
@@ -21,6 +21,9 @@
     <p:sldId id="266" r:id="rId12"/>
     <p:sldId id="268" r:id="rId13"/>
     <p:sldId id="267" r:id="rId14"/>
+    <p:sldId id="269" r:id="rId15"/>
+    <p:sldId id="270" r:id="rId16"/>
+    <p:sldId id="271" r:id="rId17"/>
   </p:sldIdLst>
   <p:sldSz cx="12192000" cy="6858000"/>
   <p:notesSz cx="6858000" cy="9144000"/>
@@ -5588,8 +5591,8 @@
           <a:lstStyle/>
           <a:p>
             <a:r>
-              <a:rPr lang="en-US"/>
-              <a:t>Exercises</a:t>
+              <a:rPr lang="en-US" dirty="0"/>
+              <a:t>Exercise</a:t>
             </a:r>
             <a:endParaRPr lang="en-IL" dirty="0"/>
           </a:p>
@@ -5641,7 +5644,15 @@
               <a:rPr lang="en-US" dirty="0"/>
               <a:t>Before starting, if you want a stable copy of your work, it is recommended you save it in a separate location (to not run it over when you git pull in the future)</a:t>
             </a:r>
-            <a:endParaRPr lang="en-IL" dirty="0"/>
+          </a:p>
+          <a:p>
+            <a:endParaRPr lang="en-US" dirty="0"/>
+          </a:p>
+          <a:p>
+            <a:r>
+              <a:rPr lang="en-US" dirty="0"/>
+              <a:t>After we solve the exercise together (or if you finished early on), continue to exercise 1.5 (related)</a:t>
+            </a:r>
           </a:p>
         </p:txBody>
       </p:sp>
@@ -5707,6 +5718,1504 @@
     <p:extLst>
       <p:ext uri="{BB962C8B-B14F-4D97-AF65-F5344CB8AC3E}">
         <p14:creationId xmlns:p14="http://schemas.microsoft.com/office/powerpoint/2010/main" val="193669526"/>
+      </p:ext>
+    </p:extLst>
+  </p:cSld>
+  <p:clrMapOvr>
+    <a:masterClrMapping/>
+  </p:clrMapOvr>
+</p:sld>
+</file>
+
+<file path=ppt/slides/slide14.xml><?xml version="1.0" encoding="utf-8"?>
+<p:sld xmlns:a="http://schemas.openxmlformats.org/drawingml/2006/main" xmlns:r="http://schemas.openxmlformats.org/officeDocument/2006/relationships" xmlns:p="http://schemas.openxmlformats.org/presentationml/2006/main">
+  <p:cSld>
+    <p:spTree>
+      <p:nvGrpSpPr>
+        <p:cNvPr id="1" name=""/>
+        <p:cNvGrpSpPr/>
+        <p:nvPr/>
+      </p:nvGrpSpPr>
+      <p:grpSpPr>
+        <a:xfrm>
+          <a:off x="0" y="0"/>
+          <a:ext cx="0" cy="0"/>
+          <a:chOff x="0" y="0"/>
+          <a:chExt cx="0" cy="0"/>
+        </a:xfrm>
+      </p:grpSpPr>
+      <p:sp>
+        <p:nvSpPr>
+          <p:cNvPr id="2" name="Title 1">
+            <a:extLst>
+              <a:ext uri="{FF2B5EF4-FFF2-40B4-BE49-F238E27FC236}">
+                <a16:creationId xmlns:a16="http://schemas.microsoft.com/office/drawing/2014/main" id="{19F3ED11-AADC-4B18-BE13-2B28936025EB}"/>
+              </a:ext>
+            </a:extLst>
+          </p:cNvPr>
+          <p:cNvSpPr>
+            <a:spLocks noGrp="1"/>
+          </p:cNvSpPr>
+          <p:nvPr>
+            <p:ph type="title"/>
+          </p:nvPr>
+        </p:nvSpPr>
+        <p:spPr/>
+        <p:txBody>
+          <a:bodyPr>
+            <a:normAutofit/>
+          </a:bodyPr>
+          <a:lstStyle/>
+          <a:p>
+            <a:r>
+              <a:rPr lang="en-US" sz="4400" dirty="0"/>
+              <a:t>Mini exercise – how would you…(1)?</a:t>
+            </a:r>
+            <a:endParaRPr lang="en-IL" sz="4400" dirty="0"/>
+          </a:p>
+        </p:txBody>
+      </p:sp>
+      <p:sp>
+        <p:nvSpPr>
+          <p:cNvPr id="3" name="Content Placeholder 2">
+            <a:extLst>
+              <a:ext uri="{FF2B5EF4-FFF2-40B4-BE49-F238E27FC236}">
+                <a16:creationId xmlns:a16="http://schemas.microsoft.com/office/drawing/2014/main" id="{5816787B-96B1-404B-9E29-D07D3585E3DA}"/>
+              </a:ext>
+            </a:extLst>
+          </p:cNvPr>
+          <p:cNvSpPr>
+            <a:spLocks noGrp="1"/>
+          </p:cNvSpPr>
+          <p:nvPr>
+            <p:ph idx="1"/>
+          </p:nvPr>
+        </p:nvSpPr>
+        <p:spPr/>
+        <p:txBody>
+          <a:bodyPr>
+            <a:normAutofit/>
+          </a:bodyPr>
+          <a:lstStyle/>
+          <a:p>
+            <a:r>
+              <a:rPr lang="en-US" sz="1800" b="1" dirty="0"/>
+              <a:t>Use the ggplot2 cheat sheet</a:t>
+            </a:r>
+          </a:p>
+          <a:p>
+            <a:r>
+              <a:rPr lang="en-US" sz="1800" dirty="0"/>
+              <a:t>Answer in groups of 2-3</a:t>
+            </a:r>
+          </a:p>
+          <a:p>
+            <a:r>
+              <a:rPr lang="en-US" sz="1800" dirty="0"/>
+              <a:t>What are the </a:t>
+            </a:r>
+            <a:r>
+              <a:rPr lang="en-US" sz="1800" b="1" dirty="0"/>
+              <a:t>three</a:t>
+            </a:r>
+            <a:r>
+              <a:rPr lang="en-US" sz="1800" dirty="0"/>
+              <a:t> </a:t>
+            </a:r>
+            <a:r>
+              <a:rPr lang="en-US" sz="1800" dirty="0" err="1"/>
+              <a:t>geoms</a:t>
+            </a:r>
+            <a:r>
+              <a:rPr lang="en-US" sz="1800" dirty="0"/>
+              <a:t> </a:t>
+            </a:r>
+            <a:br>
+              <a:rPr lang="en-US" sz="1800" dirty="0"/>
+            </a:br>
+            <a:r>
+              <a:rPr lang="en-US" sz="1800" dirty="0"/>
+              <a:t>required to produce this chart?</a:t>
+            </a:r>
+          </a:p>
+          <a:p>
+            <a:r>
+              <a:rPr lang="en-US" sz="1800" dirty="0"/>
+              <a:t>What are the aesthetic </a:t>
+            </a:r>
+            <a:br>
+              <a:rPr lang="en-US" sz="1800" dirty="0"/>
+            </a:br>
+            <a:r>
+              <a:rPr lang="en-US" sz="1800" dirty="0"/>
+              <a:t>mappings?</a:t>
+            </a:r>
+            <a:endParaRPr lang="en-IL" sz="1800" dirty="0"/>
+          </a:p>
+        </p:txBody>
+      </p:sp>
+      <p:sp>
+        <p:nvSpPr>
+          <p:cNvPr id="4" name="Footer Placeholder 3">
+            <a:extLst>
+              <a:ext uri="{FF2B5EF4-FFF2-40B4-BE49-F238E27FC236}">
+                <a16:creationId xmlns:a16="http://schemas.microsoft.com/office/drawing/2014/main" id="{539F637F-A1EC-47F2-A63B-746BB242471B}"/>
+              </a:ext>
+            </a:extLst>
+          </p:cNvPr>
+          <p:cNvSpPr>
+            <a:spLocks noGrp="1"/>
+          </p:cNvSpPr>
+          <p:nvPr>
+            <p:ph type="ftr" sz="quarter" idx="11"/>
+          </p:nvPr>
+        </p:nvSpPr>
+        <p:spPr/>
+        <p:txBody>
+          <a:bodyPr/>
+          <a:lstStyle/>
+          <a:p>
+            <a:r>
+              <a:rPr lang="en-US"/>
+              <a:t>Materials by Adi Sarid https://adisarid.github.io and http://www.sarid-ins.com</a:t>
+            </a:r>
+            <a:endParaRPr lang="en-US" dirty="0"/>
+          </a:p>
+        </p:txBody>
+      </p:sp>
+      <p:sp>
+        <p:nvSpPr>
+          <p:cNvPr id="5" name="Slide Number Placeholder 4">
+            <a:extLst>
+              <a:ext uri="{FF2B5EF4-FFF2-40B4-BE49-F238E27FC236}">
+                <a16:creationId xmlns:a16="http://schemas.microsoft.com/office/drawing/2014/main" id="{9C69B81D-412B-442C-84A6-A4FB46A4694A}"/>
+              </a:ext>
+            </a:extLst>
+          </p:cNvPr>
+          <p:cNvSpPr>
+            <a:spLocks noGrp="1"/>
+          </p:cNvSpPr>
+          <p:nvPr>
+            <p:ph type="sldNum" sz="quarter" idx="12"/>
+          </p:nvPr>
+        </p:nvSpPr>
+        <p:spPr/>
+        <p:txBody>
+          <a:bodyPr/>
+          <a:lstStyle/>
+          <a:p>
+            <a:fld id="{4FAB73BC-B049-4115-A692-8D63A059BFB8}" type="slidenum">
+              <a:rPr lang="en-US" smtClean="0"/>
+              <a:t>14</a:t>
+            </a:fld>
+            <a:endParaRPr lang="en-US" dirty="0"/>
+          </a:p>
+        </p:txBody>
+      </p:sp>
+      <p:pic>
+        <p:nvPicPr>
+          <p:cNvPr id="6" name="Picture 5">
+            <a:extLst>
+              <a:ext uri="{FF2B5EF4-FFF2-40B4-BE49-F238E27FC236}">
+                <a16:creationId xmlns:a16="http://schemas.microsoft.com/office/drawing/2014/main" id="{F803D0D9-51F3-497C-85E1-FB414B12A012}"/>
+              </a:ext>
+            </a:extLst>
+          </p:cNvPr>
+          <p:cNvPicPr>
+            <a:picLocks noChangeAspect="1"/>
+          </p:cNvPicPr>
+          <p:nvPr/>
+        </p:nvPicPr>
+        <p:blipFill>
+          <a:blip r:embed="rId2"/>
+          <a:stretch>
+            <a:fillRect/>
+          </a:stretch>
+        </p:blipFill>
+        <p:spPr>
+          <a:xfrm>
+            <a:off x="5085213" y="2020824"/>
+            <a:ext cx="6666667" cy="4114286"/>
+          </a:xfrm>
+          <a:prstGeom prst="rect">
+            <a:avLst/>
+          </a:prstGeom>
+        </p:spPr>
+      </p:pic>
+      <p:sp>
+        <p:nvSpPr>
+          <p:cNvPr id="8" name="Rectangle 7">
+            <a:extLst>
+              <a:ext uri="{FF2B5EF4-FFF2-40B4-BE49-F238E27FC236}">
+                <a16:creationId xmlns:a16="http://schemas.microsoft.com/office/drawing/2014/main" id="{B9159E52-8AFC-435F-99EB-0C8D72A74802}"/>
+              </a:ext>
+            </a:extLst>
+          </p:cNvPr>
+          <p:cNvSpPr/>
+          <p:nvPr/>
+        </p:nvSpPr>
+        <p:spPr>
+          <a:xfrm>
+            <a:off x="3997328" y="5076737"/>
+            <a:ext cx="1115443" cy="609600"/>
+          </a:xfrm>
+          <a:prstGeom prst="rect">
+            <a:avLst/>
+          </a:prstGeom>
+        </p:spPr>
+        <p:style>
+          <a:lnRef idx="2">
+            <a:schemeClr val="accent1">
+              <a:shade val="50000"/>
+            </a:schemeClr>
+          </a:lnRef>
+          <a:fillRef idx="1">
+            <a:schemeClr val="accent1"/>
+          </a:fillRef>
+          <a:effectRef idx="0">
+            <a:schemeClr val="accent1"/>
+          </a:effectRef>
+          <a:fontRef idx="minor">
+            <a:schemeClr val="lt1"/>
+          </a:fontRef>
+        </p:style>
+        <p:txBody>
+          <a:bodyPr rtlCol="1" anchor="ctr"/>
+          <a:lstStyle/>
+          <a:p>
+            <a:pPr algn="ctr"/>
+            <a:endParaRPr lang="he-IL"/>
+          </a:p>
+        </p:txBody>
+      </p:sp>
+      <p:sp>
+        <p:nvSpPr>
+          <p:cNvPr id="9" name="Rectangle 8">
+            <a:extLst>
+              <a:ext uri="{FF2B5EF4-FFF2-40B4-BE49-F238E27FC236}">
+                <a16:creationId xmlns:a16="http://schemas.microsoft.com/office/drawing/2014/main" id="{FCB4C116-6E38-48A8-AF6C-276DDF64211D}"/>
+              </a:ext>
+            </a:extLst>
+          </p:cNvPr>
+          <p:cNvSpPr/>
+          <p:nvPr/>
+        </p:nvSpPr>
+        <p:spPr>
+          <a:xfrm>
+            <a:off x="2909140" y="5076737"/>
+            <a:ext cx="1115443" cy="609600"/>
+          </a:xfrm>
+          <a:prstGeom prst="rect">
+            <a:avLst/>
+          </a:prstGeom>
+        </p:spPr>
+        <p:style>
+          <a:lnRef idx="2">
+            <a:schemeClr val="accent1">
+              <a:shade val="50000"/>
+            </a:schemeClr>
+          </a:lnRef>
+          <a:fillRef idx="1">
+            <a:schemeClr val="accent1"/>
+          </a:fillRef>
+          <a:effectRef idx="0">
+            <a:schemeClr val="accent1"/>
+          </a:effectRef>
+          <a:fontRef idx="minor">
+            <a:schemeClr val="lt1"/>
+          </a:fontRef>
+        </p:style>
+        <p:txBody>
+          <a:bodyPr rtlCol="1" anchor="ctr"/>
+          <a:lstStyle/>
+          <a:p>
+            <a:pPr algn="ctr"/>
+            <a:endParaRPr lang="he-IL"/>
+          </a:p>
+        </p:txBody>
+      </p:sp>
+      <p:sp>
+        <p:nvSpPr>
+          <p:cNvPr id="10" name="Rectangle 9">
+            <a:extLst>
+              <a:ext uri="{FF2B5EF4-FFF2-40B4-BE49-F238E27FC236}">
+                <a16:creationId xmlns:a16="http://schemas.microsoft.com/office/drawing/2014/main" id="{89A543A3-7582-4518-99EB-B3BC33A9CDBE}"/>
+              </a:ext>
+            </a:extLst>
+          </p:cNvPr>
+          <p:cNvSpPr/>
+          <p:nvPr/>
+        </p:nvSpPr>
+        <p:spPr>
+          <a:xfrm>
+            <a:off x="1793697" y="5076737"/>
+            <a:ext cx="1115443" cy="609600"/>
+          </a:xfrm>
+          <a:prstGeom prst="rect">
+            <a:avLst/>
+          </a:prstGeom>
+        </p:spPr>
+        <p:style>
+          <a:lnRef idx="2">
+            <a:schemeClr val="accent1">
+              <a:shade val="50000"/>
+            </a:schemeClr>
+          </a:lnRef>
+          <a:fillRef idx="1">
+            <a:schemeClr val="accent1"/>
+          </a:fillRef>
+          <a:effectRef idx="0">
+            <a:schemeClr val="accent1"/>
+          </a:effectRef>
+          <a:fontRef idx="minor">
+            <a:schemeClr val="lt1"/>
+          </a:fontRef>
+        </p:style>
+        <p:txBody>
+          <a:bodyPr rtlCol="1" anchor="ctr"/>
+          <a:lstStyle/>
+          <a:p>
+            <a:pPr algn="ctr"/>
+            <a:endParaRPr lang="he-IL"/>
+          </a:p>
+        </p:txBody>
+      </p:sp>
+      <p:sp>
+        <p:nvSpPr>
+          <p:cNvPr id="11" name="TextBox 10">
+            <a:extLst>
+              <a:ext uri="{FF2B5EF4-FFF2-40B4-BE49-F238E27FC236}">
+                <a16:creationId xmlns:a16="http://schemas.microsoft.com/office/drawing/2014/main" id="{09178226-E789-4B5D-9C4A-377CA962484F}"/>
+              </a:ext>
+            </a:extLst>
+          </p:cNvPr>
+          <p:cNvSpPr txBox="1"/>
+          <p:nvPr/>
+        </p:nvSpPr>
+        <p:spPr>
+          <a:xfrm>
+            <a:off x="661002" y="4705851"/>
+            <a:ext cx="1324402" cy="369332"/>
+          </a:xfrm>
+          <a:prstGeom prst="rect">
+            <a:avLst/>
+          </a:prstGeom>
+          <a:noFill/>
+        </p:spPr>
+        <p:txBody>
+          <a:bodyPr wrap="none" rtlCol="1">
+            <a:spAutoFit/>
+          </a:bodyPr>
+          <a:lstStyle/>
+          <a:p>
+            <a:r>
+              <a:rPr lang="en-US" dirty="0"/>
+              <a:t>4 minutes</a:t>
+            </a:r>
+            <a:endParaRPr lang="he-IL" dirty="0"/>
+          </a:p>
+        </p:txBody>
+      </p:sp>
+      <p:sp>
+        <p:nvSpPr>
+          <p:cNvPr id="12" name="Rectangle 11">
+            <a:extLst>
+              <a:ext uri="{FF2B5EF4-FFF2-40B4-BE49-F238E27FC236}">
+                <a16:creationId xmlns:a16="http://schemas.microsoft.com/office/drawing/2014/main" id="{B3775F97-2B28-485A-A2EF-7F6E58DF5F42}"/>
+              </a:ext>
+            </a:extLst>
+          </p:cNvPr>
+          <p:cNvSpPr/>
+          <p:nvPr/>
+        </p:nvSpPr>
+        <p:spPr>
+          <a:xfrm>
+            <a:off x="678254" y="5076737"/>
+            <a:ext cx="1115443" cy="609600"/>
+          </a:xfrm>
+          <a:prstGeom prst="rect">
+            <a:avLst/>
+          </a:prstGeom>
+        </p:spPr>
+        <p:style>
+          <a:lnRef idx="2">
+            <a:schemeClr val="accent1">
+              <a:shade val="50000"/>
+            </a:schemeClr>
+          </a:lnRef>
+          <a:fillRef idx="1">
+            <a:schemeClr val="accent1"/>
+          </a:fillRef>
+          <a:effectRef idx="0">
+            <a:schemeClr val="accent1"/>
+          </a:effectRef>
+          <a:fontRef idx="minor">
+            <a:schemeClr val="lt1"/>
+          </a:fontRef>
+        </p:style>
+        <p:txBody>
+          <a:bodyPr rtlCol="1" anchor="ctr"/>
+          <a:lstStyle/>
+          <a:p>
+            <a:pPr algn="ctr"/>
+            <a:endParaRPr lang="he-IL"/>
+          </a:p>
+        </p:txBody>
+      </p:sp>
+    </p:spTree>
+    <p:extLst>
+      <p:ext uri="{BB962C8B-B14F-4D97-AF65-F5344CB8AC3E}">
+        <p14:creationId xmlns:p14="http://schemas.microsoft.com/office/powerpoint/2010/main" val="2274542334"/>
+      </p:ext>
+    </p:extLst>
+  </p:cSld>
+  <p:clrMapOvr>
+    <a:masterClrMapping/>
+  </p:clrMapOvr>
+  <p:timing>
+    <p:tnLst>
+      <p:par>
+        <p:cTn id="1" dur="indefinite" restart="never" nodeType="tmRoot">
+          <p:childTnLst>
+            <p:seq concurrent="1" nextAc="seek">
+              <p:cTn id="2" dur="indefinite" nodeType="mainSeq">
+                <p:childTnLst>
+                  <p:par>
+                    <p:cTn id="3" fill="hold">
+                      <p:stCondLst>
+                        <p:cond delay="indefinite"/>
+                      </p:stCondLst>
+                      <p:childTnLst>
+                        <p:par>
+                          <p:cTn id="4" fill="hold">
+                            <p:stCondLst>
+                              <p:cond delay="0"/>
+                            </p:stCondLst>
+                            <p:childTnLst>
+                              <p:par>
+                                <p:cTn id="5" presetID="22" presetClass="exit" presetSubtype="2" fill="hold" grpId="0" nodeType="clickEffect">
+                                  <p:stCondLst>
+                                    <p:cond delay="0"/>
+                                  </p:stCondLst>
+                                  <p:childTnLst>
+                                    <p:animEffect transition="out" filter="wipe(right)">
+                                      <p:cBhvr>
+                                        <p:cTn id="6" dur="59000"/>
+                                        <p:tgtEl>
+                                          <p:spTgt spid="8"/>
+                                        </p:tgtEl>
+                                      </p:cBhvr>
+                                    </p:animEffect>
+                                    <p:set>
+                                      <p:cBhvr>
+                                        <p:cTn id="7" dur="1" fill="hold">
+                                          <p:stCondLst>
+                                            <p:cond delay="58999"/>
+                                          </p:stCondLst>
+                                        </p:cTn>
+                                        <p:tgtEl>
+                                          <p:spTgt spid="8"/>
+                                        </p:tgtEl>
+                                        <p:attrNameLst>
+                                          <p:attrName>style.visibility</p:attrName>
+                                        </p:attrNameLst>
+                                      </p:cBhvr>
+                                      <p:to>
+                                        <p:strVal val="hidden"/>
+                                      </p:to>
+                                    </p:set>
+                                  </p:childTnLst>
+                                </p:cTn>
+                              </p:par>
+                            </p:childTnLst>
+                          </p:cTn>
+                        </p:par>
+                        <p:par>
+                          <p:cTn id="8" fill="hold">
+                            <p:stCondLst>
+                              <p:cond delay="59000"/>
+                            </p:stCondLst>
+                            <p:childTnLst>
+                              <p:par>
+                                <p:cTn id="9" presetID="22" presetClass="exit" presetSubtype="2" fill="hold" grpId="0" nodeType="afterEffect">
+                                  <p:stCondLst>
+                                    <p:cond delay="0"/>
+                                  </p:stCondLst>
+                                  <p:childTnLst>
+                                    <p:animEffect transition="out" filter="wipe(right)">
+                                      <p:cBhvr>
+                                        <p:cTn id="10" dur="59000"/>
+                                        <p:tgtEl>
+                                          <p:spTgt spid="9"/>
+                                        </p:tgtEl>
+                                      </p:cBhvr>
+                                    </p:animEffect>
+                                    <p:set>
+                                      <p:cBhvr>
+                                        <p:cTn id="11" dur="1" fill="hold">
+                                          <p:stCondLst>
+                                            <p:cond delay="58999"/>
+                                          </p:stCondLst>
+                                        </p:cTn>
+                                        <p:tgtEl>
+                                          <p:spTgt spid="9"/>
+                                        </p:tgtEl>
+                                        <p:attrNameLst>
+                                          <p:attrName>style.visibility</p:attrName>
+                                        </p:attrNameLst>
+                                      </p:cBhvr>
+                                      <p:to>
+                                        <p:strVal val="hidden"/>
+                                      </p:to>
+                                    </p:set>
+                                  </p:childTnLst>
+                                </p:cTn>
+                              </p:par>
+                            </p:childTnLst>
+                          </p:cTn>
+                        </p:par>
+                        <p:par>
+                          <p:cTn id="12" fill="hold">
+                            <p:stCondLst>
+                              <p:cond delay="118000"/>
+                            </p:stCondLst>
+                            <p:childTnLst>
+                              <p:par>
+                                <p:cTn id="13" presetID="22" presetClass="exit" presetSubtype="2" fill="hold" grpId="0" nodeType="afterEffect">
+                                  <p:stCondLst>
+                                    <p:cond delay="0"/>
+                                  </p:stCondLst>
+                                  <p:childTnLst>
+                                    <p:animEffect transition="out" filter="wipe(right)">
+                                      <p:cBhvr>
+                                        <p:cTn id="14" dur="59000"/>
+                                        <p:tgtEl>
+                                          <p:spTgt spid="10"/>
+                                        </p:tgtEl>
+                                      </p:cBhvr>
+                                    </p:animEffect>
+                                    <p:set>
+                                      <p:cBhvr>
+                                        <p:cTn id="15" dur="1" fill="hold">
+                                          <p:stCondLst>
+                                            <p:cond delay="58999"/>
+                                          </p:stCondLst>
+                                        </p:cTn>
+                                        <p:tgtEl>
+                                          <p:spTgt spid="10"/>
+                                        </p:tgtEl>
+                                        <p:attrNameLst>
+                                          <p:attrName>style.visibility</p:attrName>
+                                        </p:attrNameLst>
+                                      </p:cBhvr>
+                                      <p:to>
+                                        <p:strVal val="hidden"/>
+                                      </p:to>
+                                    </p:set>
+                                  </p:childTnLst>
+                                </p:cTn>
+                              </p:par>
+                            </p:childTnLst>
+                          </p:cTn>
+                        </p:par>
+                        <p:par>
+                          <p:cTn id="16" fill="hold">
+                            <p:stCondLst>
+                              <p:cond delay="177000"/>
+                            </p:stCondLst>
+                            <p:childTnLst>
+                              <p:par>
+                                <p:cTn id="17" presetID="22" presetClass="exit" presetSubtype="2" fill="hold" grpId="0" nodeType="afterEffect">
+                                  <p:stCondLst>
+                                    <p:cond delay="0"/>
+                                  </p:stCondLst>
+                                  <p:childTnLst>
+                                    <p:animEffect transition="out" filter="wipe(right)">
+                                      <p:cBhvr>
+                                        <p:cTn id="18" dur="59000"/>
+                                        <p:tgtEl>
+                                          <p:spTgt spid="12"/>
+                                        </p:tgtEl>
+                                      </p:cBhvr>
+                                    </p:animEffect>
+                                    <p:set>
+                                      <p:cBhvr>
+                                        <p:cTn id="19" dur="1" fill="hold">
+                                          <p:stCondLst>
+                                            <p:cond delay="58999"/>
+                                          </p:stCondLst>
+                                        </p:cTn>
+                                        <p:tgtEl>
+                                          <p:spTgt spid="12"/>
+                                        </p:tgtEl>
+                                        <p:attrNameLst>
+                                          <p:attrName>style.visibility</p:attrName>
+                                        </p:attrNameLst>
+                                      </p:cBhvr>
+                                      <p:to>
+                                        <p:strVal val="hidden"/>
+                                      </p:to>
+                                    </p:set>
+                                  </p:childTnLst>
+                                </p:cTn>
+                              </p:par>
+                            </p:childTnLst>
+                          </p:cTn>
+                        </p:par>
+                      </p:childTnLst>
+                    </p:cTn>
+                  </p:par>
+                </p:childTnLst>
+              </p:cTn>
+              <p:prevCondLst>
+                <p:cond evt="onPrev" delay="0">
+                  <p:tgtEl>
+                    <p:sldTgt/>
+                  </p:tgtEl>
+                </p:cond>
+              </p:prevCondLst>
+              <p:nextCondLst>
+                <p:cond evt="onNext" delay="0">
+                  <p:tgtEl>
+                    <p:sldTgt/>
+                  </p:tgtEl>
+                </p:cond>
+              </p:nextCondLst>
+            </p:seq>
+          </p:childTnLst>
+        </p:cTn>
+      </p:par>
+    </p:tnLst>
+    <p:bldLst>
+      <p:bldP spid="8" grpId="0" animBg="1"/>
+      <p:bldP spid="9" grpId="0" animBg="1"/>
+      <p:bldP spid="10" grpId="0" animBg="1"/>
+      <p:bldP spid="12" grpId="0" animBg="1"/>
+    </p:bldLst>
+  </p:timing>
+</p:sld>
+</file>
+
+<file path=ppt/slides/slide15.xml><?xml version="1.0" encoding="utf-8"?>
+<p:sld xmlns:a="http://schemas.openxmlformats.org/drawingml/2006/main" xmlns:r="http://schemas.openxmlformats.org/officeDocument/2006/relationships" xmlns:p="http://schemas.openxmlformats.org/presentationml/2006/main">
+  <p:cSld>
+    <p:spTree>
+      <p:nvGrpSpPr>
+        <p:cNvPr id="1" name=""/>
+        <p:cNvGrpSpPr/>
+        <p:nvPr/>
+      </p:nvGrpSpPr>
+      <p:grpSpPr>
+        <a:xfrm>
+          <a:off x="0" y="0"/>
+          <a:ext cx="0" cy="0"/>
+          <a:chOff x="0" y="0"/>
+          <a:chExt cx="0" cy="0"/>
+        </a:xfrm>
+      </p:grpSpPr>
+      <p:sp>
+        <p:nvSpPr>
+          <p:cNvPr id="2" name="Title 1">
+            <a:extLst>
+              <a:ext uri="{FF2B5EF4-FFF2-40B4-BE49-F238E27FC236}">
+                <a16:creationId xmlns:a16="http://schemas.microsoft.com/office/drawing/2014/main" id="{19F3ED11-AADC-4B18-BE13-2B28936025EB}"/>
+              </a:ext>
+            </a:extLst>
+          </p:cNvPr>
+          <p:cNvSpPr>
+            <a:spLocks noGrp="1"/>
+          </p:cNvSpPr>
+          <p:nvPr>
+            <p:ph type="title"/>
+          </p:nvPr>
+        </p:nvSpPr>
+        <p:spPr/>
+        <p:txBody>
+          <a:bodyPr>
+            <a:normAutofit/>
+          </a:bodyPr>
+          <a:lstStyle/>
+          <a:p>
+            <a:r>
+              <a:rPr lang="en-US" sz="4400" dirty="0"/>
+              <a:t>Mini exercise – how would you…(2)?</a:t>
+            </a:r>
+            <a:endParaRPr lang="en-IL" sz="4400" dirty="0"/>
+          </a:p>
+        </p:txBody>
+      </p:sp>
+      <p:sp>
+        <p:nvSpPr>
+          <p:cNvPr id="3" name="Content Placeholder 2">
+            <a:extLst>
+              <a:ext uri="{FF2B5EF4-FFF2-40B4-BE49-F238E27FC236}">
+                <a16:creationId xmlns:a16="http://schemas.microsoft.com/office/drawing/2014/main" id="{5816787B-96B1-404B-9E29-D07D3585E3DA}"/>
+              </a:ext>
+            </a:extLst>
+          </p:cNvPr>
+          <p:cNvSpPr>
+            <a:spLocks noGrp="1"/>
+          </p:cNvSpPr>
+          <p:nvPr>
+            <p:ph idx="1"/>
+          </p:nvPr>
+        </p:nvSpPr>
+        <p:spPr/>
+        <p:txBody>
+          <a:bodyPr>
+            <a:normAutofit/>
+          </a:bodyPr>
+          <a:lstStyle/>
+          <a:p>
+            <a:r>
+              <a:rPr lang="en-US" sz="1800" dirty="0"/>
+              <a:t>TSLA (Tesla) stock closing price</a:t>
+            </a:r>
+          </a:p>
+          <a:p>
+            <a:r>
+              <a:rPr lang="en-US" sz="1800" b="1" dirty="0"/>
+              <a:t>Use the ggplot2 cheat sheet</a:t>
+            </a:r>
+          </a:p>
+          <a:p>
+            <a:r>
+              <a:rPr lang="en-US" sz="1800" dirty="0"/>
+              <a:t>Answer in groups of 2-3</a:t>
+            </a:r>
+          </a:p>
+          <a:p>
+            <a:r>
+              <a:rPr lang="en-US" sz="1800" dirty="0"/>
+              <a:t>What is the </a:t>
+            </a:r>
+            <a:r>
+              <a:rPr lang="en-US" sz="1800" b="1" dirty="0"/>
+              <a:t>one </a:t>
+            </a:r>
+            <a:r>
+              <a:rPr lang="en-US" sz="1800" dirty="0" err="1"/>
+              <a:t>geom</a:t>
+            </a:r>
+            <a:br>
+              <a:rPr lang="en-US" sz="1800" dirty="0"/>
+            </a:br>
+            <a:r>
+              <a:rPr lang="en-US" sz="1800" dirty="0"/>
+              <a:t>required to produce this chart?</a:t>
+            </a:r>
+          </a:p>
+          <a:p>
+            <a:r>
+              <a:rPr lang="en-US" sz="1800" dirty="0"/>
+              <a:t>What are the aesthetic </a:t>
+            </a:r>
+            <a:br>
+              <a:rPr lang="en-US" sz="1800" dirty="0"/>
+            </a:br>
+            <a:r>
+              <a:rPr lang="en-US" sz="1800" dirty="0"/>
+              <a:t>mappings?</a:t>
+            </a:r>
+            <a:endParaRPr lang="en-IL" sz="1800" dirty="0"/>
+          </a:p>
+        </p:txBody>
+      </p:sp>
+      <p:sp>
+        <p:nvSpPr>
+          <p:cNvPr id="4" name="Footer Placeholder 3">
+            <a:extLst>
+              <a:ext uri="{FF2B5EF4-FFF2-40B4-BE49-F238E27FC236}">
+                <a16:creationId xmlns:a16="http://schemas.microsoft.com/office/drawing/2014/main" id="{539F637F-A1EC-47F2-A63B-746BB242471B}"/>
+              </a:ext>
+            </a:extLst>
+          </p:cNvPr>
+          <p:cNvSpPr>
+            <a:spLocks noGrp="1"/>
+          </p:cNvSpPr>
+          <p:nvPr>
+            <p:ph type="ftr" sz="quarter" idx="11"/>
+          </p:nvPr>
+        </p:nvSpPr>
+        <p:spPr/>
+        <p:txBody>
+          <a:bodyPr/>
+          <a:lstStyle/>
+          <a:p>
+            <a:r>
+              <a:rPr lang="en-US"/>
+              <a:t>Materials by Adi Sarid https://adisarid.github.io and http://www.sarid-ins.com</a:t>
+            </a:r>
+            <a:endParaRPr lang="en-US" dirty="0"/>
+          </a:p>
+        </p:txBody>
+      </p:sp>
+      <p:sp>
+        <p:nvSpPr>
+          <p:cNvPr id="5" name="Slide Number Placeholder 4">
+            <a:extLst>
+              <a:ext uri="{FF2B5EF4-FFF2-40B4-BE49-F238E27FC236}">
+                <a16:creationId xmlns:a16="http://schemas.microsoft.com/office/drawing/2014/main" id="{9C69B81D-412B-442C-84A6-A4FB46A4694A}"/>
+              </a:ext>
+            </a:extLst>
+          </p:cNvPr>
+          <p:cNvSpPr>
+            <a:spLocks noGrp="1"/>
+          </p:cNvSpPr>
+          <p:nvPr>
+            <p:ph type="sldNum" sz="quarter" idx="12"/>
+          </p:nvPr>
+        </p:nvSpPr>
+        <p:spPr/>
+        <p:txBody>
+          <a:bodyPr/>
+          <a:lstStyle/>
+          <a:p>
+            <a:fld id="{4FAB73BC-B049-4115-A692-8D63A059BFB8}" type="slidenum">
+              <a:rPr lang="en-US" smtClean="0"/>
+              <a:t>15</a:t>
+            </a:fld>
+            <a:endParaRPr lang="en-US" dirty="0"/>
+          </a:p>
+        </p:txBody>
+      </p:sp>
+      <p:sp>
+        <p:nvSpPr>
+          <p:cNvPr id="8" name="Rectangle 7">
+            <a:extLst>
+              <a:ext uri="{FF2B5EF4-FFF2-40B4-BE49-F238E27FC236}">
+                <a16:creationId xmlns:a16="http://schemas.microsoft.com/office/drawing/2014/main" id="{B9159E52-8AFC-435F-99EB-0C8D72A74802}"/>
+              </a:ext>
+            </a:extLst>
+          </p:cNvPr>
+          <p:cNvSpPr/>
+          <p:nvPr/>
+        </p:nvSpPr>
+        <p:spPr>
+          <a:xfrm>
+            <a:off x="4549833" y="5076737"/>
+            <a:ext cx="1115443" cy="609600"/>
+          </a:xfrm>
+          <a:prstGeom prst="rect">
+            <a:avLst/>
+          </a:prstGeom>
+        </p:spPr>
+        <p:style>
+          <a:lnRef idx="2">
+            <a:schemeClr val="accent1">
+              <a:shade val="50000"/>
+            </a:schemeClr>
+          </a:lnRef>
+          <a:fillRef idx="1">
+            <a:schemeClr val="accent1"/>
+          </a:fillRef>
+          <a:effectRef idx="0">
+            <a:schemeClr val="accent1"/>
+          </a:effectRef>
+          <a:fontRef idx="minor">
+            <a:schemeClr val="lt1"/>
+          </a:fontRef>
+        </p:style>
+        <p:txBody>
+          <a:bodyPr rtlCol="1" anchor="ctr"/>
+          <a:lstStyle/>
+          <a:p>
+            <a:pPr algn="ctr"/>
+            <a:endParaRPr lang="he-IL"/>
+          </a:p>
+        </p:txBody>
+      </p:sp>
+      <p:sp>
+        <p:nvSpPr>
+          <p:cNvPr id="9" name="Rectangle 8">
+            <a:extLst>
+              <a:ext uri="{FF2B5EF4-FFF2-40B4-BE49-F238E27FC236}">
+                <a16:creationId xmlns:a16="http://schemas.microsoft.com/office/drawing/2014/main" id="{FCB4C116-6E38-48A8-AF6C-276DDF64211D}"/>
+              </a:ext>
+            </a:extLst>
+          </p:cNvPr>
+          <p:cNvSpPr/>
+          <p:nvPr/>
+        </p:nvSpPr>
+        <p:spPr>
+          <a:xfrm>
+            <a:off x="3461645" y="5076737"/>
+            <a:ext cx="1115443" cy="609600"/>
+          </a:xfrm>
+          <a:prstGeom prst="rect">
+            <a:avLst/>
+          </a:prstGeom>
+        </p:spPr>
+        <p:style>
+          <a:lnRef idx="2">
+            <a:schemeClr val="accent1">
+              <a:shade val="50000"/>
+            </a:schemeClr>
+          </a:lnRef>
+          <a:fillRef idx="1">
+            <a:schemeClr val="accent1"/>
+          </a:fillRef>
+          <a:effectRef idx="0">
+            <a:schemeClr val="accent1"/>
+          </a:effectRef>
+          <a:fontRef idx="minor">
+            <a:schemeClr val="lt1"/>
+          </a:fontRef>
+        </p:style>
+        <p:txBody>
+          <a:bodyPr rtlCol="1" anchor="ctr"/>
+          <a:lstStyle/>
+          <a:p>
+            <a:pPr algn="ctr"/>
+            <a:endParaRPr lang="he-IL"/>
+          </a:p>
+        </p:txBody>
+      </p:sp>
+      <p:sp>
+        <p:nvSpPr>
+          <p:cNvPr id="10" name="Rectangle 9">
+            <a:extLst>
+              <a:ext uri="{FF2B5EF4-FFF2-40B4-BE49-F238E27FC236}">
+                <a16:creationId xmlns:a16="http://schemas.microsoft.com/office/drawing/2014/main" id="{89A543A3-7582-4518-99EB-B3BC33A9CDBE}"/>
+              </a:ext>
+            </a:extLst>
+          </p:cNvPr>
+          <p:cNvSpPr/>
+          <p:nvPr/>
+        </p:nvSpPr>
+        <p:spPr>
+          <a:xfrm>
+            <a:off x="2346202" y="5076737"/>
+            <a:ext cx="1115443" cy="609600"/>
+          </a:xfrm>
+          <a:prstGeom prst="rect">
+            <a:avLst/>
+          </a:prstGeom>
+        </p:spPr>
+        <p:style>
+          <a:lnRef idx="2">
+            <a:schemeClr val="accent1">
+              <a:shade val="50000"/>
+            </a:schemeClr>
+          </a:lnRef>
+          <a:fillRef idx="1">
+            <a:schemeClr val="accent1"/>
+          </a:fillRef>
+          <a:effectRef idx="0">
+            <a:schemeClr val="accent1"/>
+          </a:effectRef>
+          <a:fontRef idx="minor">
+            <a:schemeClr val="lt1"/>
+          </a:fontRef>
+        </p:style>
+        <p:txBody>
+          <a:bodyPr rtlCol="1" anchor="ctr"/>
+          <a:lstStyle/>
+          <a:p>
+            <a:pPr algn="ctr"/>
+            <a:endParaRPr lang="he-IL"/>
+          </a:p>
+        </p:txBody>
+      </p:sp>
+      <p:sp>
+        <p:nvSpPr>
+          <p:cNvPr id="11" name="TextBox 10">
+            <a:extLst>
+              <a:ext uri="{FF2B5EF4-FFF2-40B4-BE49-F238E27FC236}">
+                <a16:creationId xmlns:a16="http://schemas.microsoft.com/office/drawing/2014/main" id="{09178226-E789-4B5D-9C4A-377CA962484F}"/>
+              </a:ext>
+            </a:extLst>
+          </p:cNvPr>
+          <p:cNvSpPr txBox="1"/>
+          <p:nvPr/>
+        </p:nvSpPr>
+        <p:spPr>
+          <a:xfrm>
+            <a:off x="1213507" y="4705851"/>
+            <a:ext cx="1324402" cy="369332"/>
+          </a:xfrm>
+          <a:prstGeom prst="rect">
+            <a:avLst/>
+          </a:prstGeom>
+          <a:noFill/>
+        </p:spPr>
+        <p:txBody>
+          <a:bodyPr wrap="none" rtlCol="1">
+            <a:spAutoFit/>
+          </a:bodyPr>
+          <a:lstStyle/>
+          <a:p>
+            <a:r>
+              <a:rPr lang="en-US" dirty="0"/>
+              <a:t>4 minutes</a:t>
+            </a:r>
+            <a:endParaRPr lang="he-IL" dirty="0"/>
+          </a:p>
+        </p:txBody>
+      </p:sp>
+      <p:sp>
+        <p:nvSpPr>
+          <p:cNvPr id="12" name="Rectangle 11">
+            <a:extLst>
+              <a:ext uri="{FF2B5EF4-FFF2-40B4-BE49-F238E27FC236}">
+                <a16:creationId xmlns:a16="http://schemas.microsoft.com/office/drawing/2014/main" id="{B3775F97-2B28-485A-A2EF-7F6E58DF5F42}"/>
+              </a:ext>
+            </a:extLst>
+          </p:cNvPr>
+          <p:cNvSpPr/>
+          <p:nvPr/>
+        </p:nvSpPr>
+        <p:spPr>
+          <a:xfrm>
+            <a:off x="1230759" y="5076737"/>
+            <a:ext cx="1115443" cy="609600"/>
+          </a:xfrm>
+          <a:prstGeom prst="rect">
+            <a:avLst/>
+          </a:prstGeom>
+        </p:spPr>
+        <p:style>
+          <a:lnRef idx="2">
+            <a:schemeClr val="accent1">
+              <a:shade val="50000"/>
+            </a:schemeClr>
+          </a:lnRef>
+          <a:fillRef idx="1">
+            <a:schemeClr val="accent1"/>
+          </a:fillRef>
+          <a:effectRef idx="0">
+            <a:schemeClr val="accent1"/>
+          </a:effectRef>
+          <a:fontRef idx="minor">
+            <a:schemeClr val="lt1"/>
+          </a:fontRef>
+        </p:style>
+        <p:txBody>
+          <a:bodyPr rtlCol="1" anchor="ctr"/>
+          <a:lstStyle/>
+          <a:p>
+            <a:pPr algn="ctr"/>
+            <a:endParaRPr lang="he-IL"/>
+          </a:p>
+        </p:txBody>
+      </p:sp>
+      <p:pic>
+        <p:nvPicPr>
+          <p:cNvPr id="13" name="Picture 12">
+            <a:extLst>
+              <a:ext uri="{FF2B5EF4-FFF2-40B4-BE49-F238E27FC236}">
+                <a16:creationId xmlns:a16="http://schemas.microsoft.com/office/drawing/2014/main" id="{A92E046C-4C7F-43EC-AE2A-B901FF2027CB}"/>
+              </a:ext>
+            </a:extLst>
+          </p:cNvPr>
+          <p:cNvPicPr>
+            <a:picLocks noChangeAspect="1"/>
+          </p:cNvPicPr>
+          <p:nvPr/>
+        </p:nvPicPr>
+        <p:blipFill rotWithShape="1">
+          <a:blip r:embed="rId2"/>
+          <a:srcRect l="27916" r="27960"/>
+          <a:stretch/>
+        </p:blipFill>
+        <p:spPr>
+          <a:xfrm>
+            <a:off x="8074325" y="1794551"/>
+            <a:ext cx="2941608" cy="4114286"/>
+          </a:xfrm>
+          <a:prstGeom prst="rect">
+            <a:avLst/>
+          </a:prstGeom>
+        </p:spPr>
+      </p:pic>
+    </p:spTree>
+    <p:extLst>
+      <p:ext uri="{BB962C8B-B14F-4D97-AF65-F5344CB8AC3E}">
+        <p14:creationId xmlns:p14="http://schemas.microsoft.com/office/powerpoint/2010/main" val="1805853541"/>
+      </p:ext>
+    </p:extLst>
+  </p:cSld>
+  <p:clrMapOvr>
+    <a:masterClrMapping/>
+  </p:clrMapOvr>
+  <p:timing>
+    <p:tnLst>
+      <p:par>
+        <p:cTn id="1" dur="indefinite" restart="never" nodeType="tmRoot">
+          <p:childTnLst>
+            <p:seq concurrent="1" nextAc="seek">
+              <p:cTn id="2" dur="indefinite" nodeType="mainSeq">
+                <p:childTnLst>
+                  <p:par>
+                    <p:cTn id="3" fill="hold">
+                      <p:stCondLst>
+                        <p:cond delay="indefinite"/>
+                      </p:stCondLst>
+                      <p:childTnLst>
+                        <p:par>
+                          <p:cTn id="4" fill="hold">
+                            <p:stCondLst>
+                              <p:cond delay="0"/>
+                            </p:stCondLst>
+                            <p:childTnLst>
+                              <p:par>
+                                <p:cTn id="5" presetID="22" presetClass="exit" presetSubtype="2" fill="hold" grpId="0" nodeType="clickEffect">
+                                  <p:stCondLst>
+                                    <p:cond delay="0"/>
+                                  </p:stCondLst>
+                                  <p:childTnLst>
+                                    <p:animEffect transition="out" filter="wipe(right)">
+                                      <p:cBhvr>
+                                        <p:cTn id="6" dur="59000"/>
+                                        <p:tgtEl>
+                                          <p:spTgt spid="8"/>
+                                        </p:tgtEl>
+                                      </p:cBhvr>
+                                    </p:animEffect>
+                                    <p:set>
+                                      <p:cBhvr>
+                                        <p:cTn id="7" dur="1" fill="hold">
+                                          <p:stCondLst>
+                                            <p:cond delay="58999"/>
+                                          </p:stCondLst>
+                                        </p:cTn>
+                                        <p:tgtEl>
+                                          <p:spTgt spid="8"/>
+                                        </p:tgtEl>
+                                        <p:attrNameLst>
+                                          <p:attrName>style.visibility</p:attrName>
+                                        </p:attrNameLst>
+                                      </p:cBhvr>
+                                      <p:to>
+                                        <p:strVal val="hidden"/>
+                                      </p:to>
+                                    </p:set>
+                                  </p:childTnLst>
+                                </p:cTn>
+                              </p:par>
+                            </p:childTnLst>
+                          </p:cTn>
+                        </p:par>
+                        <p:par>
+                          <p:cTn id="8" fill="hold">
+                            <p:stCondLst>
+                              <p:cond delay="59000"/>
+                            </p:stCondLst>
+                            <p:childTnLst>
+                              <p:par>
+                                <p:cTn id="9" presetID="22" presetClass="exit" presetSubtype="2" fill="hold" grpId="0" nodeType="afterEffect">
+                                  <p:stCondLst>
+                                    <p:cond delay="0"/>
+                                  </p:stCondLst>
+                                  <p:childTnLst>
+                                    <p:animEffect transition="out" filter="wipe(right)">
+                                      <p:cBhvr>
+                                        <p:cTn id="10" dur="59000"/>
+                                        <p:tgtEl>
+                                          <p:spTgt spid="9"/>
+                                        </p:tgtEl>
+                                      </p:cBhvr>
+                                    </p:animEffect>
+                                    <p:set>
+                                      <p:cBhvr>
+                                        <p:cTn id="11" dur="1" fill="hold">
+                                          <p:stCondLst>
+                                            <p:cond delay="58999"/>
+                                          </p:stCondLst>
+                                        </p:cTn>
+                                        <p:tgtEl>
+                                          <p:spTgt spid="9"/>
+                                        </p:tgtEl>
+                                        <p:attrNameLst>
+                                          <p:attrName>style.visibility</p:attrName>
+                                        </p:attrNameLst>
+                                      </p:cBhvr>
+                                      <p:to>
+                                        <p:strVal val="hidden"/>
+                                      </p:to>
+                                    </p:set>
+                                  </p:childTnLst>
+                                </p:cTn>
+                              </p:par>
+                            </p:childTnLst>
+                          </p:cTn>
+                        </p:par>
+                        <p:par>
+                          <p:cTn id="12" fill="hold">
+                            <p:stCondLst>
+                              <p:cond delay="118000"/>
+                            </p:stCondLst>
+                            <p:childTnLst>
+                              <p:par>
+                                <p:cTn id="13" presetID="22" presetClass="exit" presetSubtype="2" fill="hold" grpId="0" nodeType="afterEffect">
+                                  <p:stCondLst>
+                                    <p:cond delay="0"/>
+                                  </p:stCondLst>
+                                  <p:childTnLst>
+                                    <p:animEffect transition="out" filter="wipe(right)">
+                                      <p:cBhvr>
+                                        <p:cTn id="14" dur="59000"/>
+                                        <p:tgtEl>
+                                          <p:spTgt spid="10"/>
+                                        </p:tgtEl>
+                                      </p:cBhvr>
+                                    </p:animEffect>
+                                    <p:set>
+                                      <p:cBhvr>
+                                        <p:cTn id="15" dur="1" fill="hold">
+                                          <p:stCondLst>
+                                            <p:cond delay="58999"/>
+                                          </p:stCondLst>
+                                        </p:cTn>
+                                        <p:tgtEl>
+                                          <p:spTgt spid="10"/>
+                                        </p:tgtEl>
+                                        <p:attrNameLst>
+                                          <p:attrName>style.visibility</p:attrName>
+                                        </p:attrNameLst>
+                                      </p:cBhvr>
+                                      <p:to>
+                                        <p:strVal val="hidden"/>
+                                      </p:to>
+                                    </p:set>
+                                  </p:childTnLst>
+                                </p:cTn>
+                              </p:par>
+                            </p:childTnLst>
+                          </p:cTn>
+                        </p:par>
+                        <p:par>
+                          <p:cTn id="16" fill="hold">
+                            <p:stCondLst>
+                              <p:cond delay="177000"/>
+                            </p:stCondLst>
+                            <p:childTnLst>
+                              <p:par>
+                                <p:cTn id="17" presetID="22" presetClass="exit" presetSubtype="2" fill="hold" grpId="0" nodeType="afterEffect">
+                                  <p:stCondLst>
+                                    <p:cond delay="0"/>
+                                  </p:stCondLst>
+                                  <p:childTnLst>
+                                    <p:animEffect transition="out" filter="wipe(right)">
+                                      <p:cBhvr>
+                                        <p:cTn id="18" dur="59000"/>
+                                        <p:tgtEl>
+                                          <p:spTgt spid="12"/>
+                                        </p:tgtEl>
+                                      </p:cBhvr>
+                                    </p:animEffect>
+                                    <p:set>
+                                      <p:cBhvr>
+                                        <p:cTn id="19" dur="1" fill="hold">
+                                          <p:stCondLst>
+                                            <p:cond delay="58999"/>
+                                          </p:stCondLst>
+                                        </p:cTn>
+                                        <p:tgtEl>
+                                          <p:spTgt spid="12"/>
+                                        </p:tgtEl>
+                                        <p:attrNameLst>
+                                          <p:attrName>style.visibility</p:attrName>
+                                        </p:attrNameLst>
+                                      </p:cBhvr>
+                                      <p:to>
+                                        <p:strVal val="hidden"/>
+                                      </p:to>
+                                    </p:set>
+                                  </p:childTnLst>
+                                </p:cTn>
+                              </p:par>
+                            </p:childTnLst>
+                          </p:cTn>
+                        </p:par>
+                      </p:childTnLst>
+                    </p:cTn>
+                  </p:par>
+                </p:childTnLst>
+              </p:cTn>
+              <p:prevCondLst>
+                <p:cond evt="onPrev" delay="0">
+                  <p:tgtEl>
+                    <p:sldTgt/>
+                  </p:tgtEl>
+                </p:cond>
+              </p:prevCondLst>
+              <p:nextCondLst>
+                <p:cond evt="onNext" delay="0">
+                  <p:tgtEl>
+                    <p:sldTgt/>
+                  </p:tgtEl>
+                </p:cond>
+              </p:nextCondLst>
+            </p:seq>
+          </p:childTnLst>
+        </p:cTn>
+      </p:par>
+    </p:tnLst>
+    <p:bldLst>
+      <p:bldP spid="8" grpId="0" animBg="1"/>
+      <p:bldP spid="9" grpId="0" animBg="1"/>
+      <p:bldP spid="10" grpId="0" animBg="1"/>
+      <p:bldP spid="12" grpId="0" animBg="1"/>
+    </p:bldLst>
+  </p:timing>
+</p:sld>
+</file>
+
+<file path=ppt/slides/slide16.xml><?xml version="1.0" encoding="utf-8"?>
+<p:sld xmlns:a="http://schemas.openxmlformats.org/drawingml/2006/main" xmlns:r="http://schemas.openxmlformats.org/officeDocument/2006/relationships" xmlns:p="http://schemas.openxmlformats.org/presentationml/2006/main">
+  <p:cSld>
+    <p:spTree>
+      <p:nvGrpSpPr>
+        <p:cNvPr id="1" name=""/>
+        <p:cNvGrpSpPr/>
+        <p:nvPr/>
+      </p:nvGrpSpPr>
+      <p:grpSpPr>
+        <a:xfrm>
+          <a:off x="0" y="0"/>
+          <a:ext cx="0" cy="0"/>
+          <a:chOff x="0" y="0"/>
+          <a:chExt cx="0" cy="0"/>
+        </a:xfrm>
+      </p:grpSpPr>
+      <p:sp>
+        <p:nvSpPr>
+          <p:cNvPr id="2" name="Title 1">
+            <a:extLst>
+              <a:ext uri="{FF2B5EF4-FFF2-40B4-BE49-F238E27FC236}">
+                <a16:creationId xmlns:a16="http://schemas.microsoft.com/office/drawing/2014/main" id="{ADA01FEA-EE45-4752-AEFA-585F15DC2941}"/>
+              </a:ext>
+            </a:extLst>
+          </p:cNvPr>
+          <p:cNvSpPr>
+            <a:spLocks noGrp="1"/>
+          </p:cNvSpPr>
+          <p:nvPr>
+            <p:ph type="title"/>
+          </p:nvPr>
+        </p:nvSpPr>
+        <p:spPr/>
+        <p:txBody>
+          <a:bodyPr/>
+          <a:lstStyle/>
+          <a:p>
+            <a:r>
+              <a:rPr lang="en-US" dirty="0"/>
+              <a:t>Exercise</a:t>
+            </a:r>
+            <a:endParaRPr lang="en-IL" dirty="0"/>
+          </a:p>
+        </p:txBody>
+      </p:sp>
+      <p:sp>
+        <p:nvSpPr>
+          <p:cNvPr id="3" name="Content Placeholder 2">
+            <a:extLst>
+              <a:ext uri="{FF2B5EF4-FFF2-40B4-BE49-F238E27FC236}">
+                <a16:creationId xmlns:a16="http://schemas.microsoft.com/office/drawing/2014/main" id="{D5ED936B-2FFD-4BDE-A96F-5D15E57405BA}"/>
+              </a:ext>
+            </a:extLst>
+          </p:cNvPr>
+          <p:cNvSpPr>
+            <a:spLocks noGrp="1"/>
+          </p:cNvSpPr>
+          <p:nvPr>
+            <p:ph idx="1"/>
+          </p:nvPr>
+        </p:nvSpPr>
+        <p:spPr/>
+        <p:txBody>
+          <a:bodyPr/>
+          <a:lstStyle/>
+          <a:p>
+            <a:r>
+              <a:rPr lang="en-US" dirty="0"/>
+              <a:t>In 02-Plotting.Rmd, continue to exercise 2.</a:t>
+            </a:r>
+          </a:p>
+          <a:p>
+            <a:r>
+              <a:rPr lang="en-US" dirty="0"/>
+              <a:t>In 02-Plotting.Rmd, continue to exercise 3.</a:t>
+            </a:r>
+          </a:p>
+          <a:p>
+            <a:r>
+              <a:rPr lang="en-US"/>
+              <a:t>In 02-Plotting.Rmd, continue to exercise 4.</a:t>
+            </a:r>
+          </a:p>
+          <a:p>
+            <a:endParaRPr lang="en-US" dirty="0"/>
+          </a:p>
+          <a:p>
+            <a:endParaRPr lang="en-US" dirty="0"/>
+          </a:p>
+        </p:txBody>
+      </p:sp>
+      <p:sp>
+        <p:nvSpPr>
+          <p:cNvPr id="4" name="Footer Placeholder 3">
+            <a:extLst>
+              <a:ext uri="{FF2B5EF4-FFF2-40B4-BE49-F238E27FC236}">
+                <a16:creationId xmlns:a16="http://schemas.microsoft.com/office/drawing/2014/main" id="{BD1734D6-FA65-466A-A27E-4FA404991BCC}"/>
+              </a:ext>
+            </a:extLst>
+          </p:cNvPr>
+          <p:cNvSpPr>
+            <a:spLocks noGrp="1"/>
+          </p:cNvSpPr>
+          <p:nvPr>
+            <p:ph type="ftr" sz="quarter" idx="11"/>
+          </p:nvPr>
+        </p:nvSpPr>
+        <p:spPr/>
+        <p:txBody>
+          <a:bodyPr/>
+          <a:lstStyle/>
+          <a:p>
+            <a:r>
+              <a:rPr lang="en-US"/>
+              <a:t>Materials by Adi Sarid https://adisarid.github.io and http://www.sarid-ins.com</a:t>
+            </a:r>
+            <a:endParaRPr lang="en-US" dirty="0"/>
+          </a:p>
+        </p:txBody>
+      </p:sp>
+      <p:sp>
+        <p:nvSpPr>
+          <p:cNvPr id="5" name="Slide Number Placeholder 4">
+            <a:extLst>
+              <a:ext uri="{FF2B5EF4-FFF2-40B4-BE49-F238E27FC236}">
+                <a16:creationId xmlns:a16="http://schemas.microsoft.com/office/drawing/2014/main" id="{CF90097D-4E81-4431-8D21-B04E268F6183}"/>
+              </a:ext>
+            </a:extLst>
+          </p:cNvPr>
+          <p:cNvSpPr>
+            <a:spLocks noGrp="1"/>
+          </p:cNvSpPr>
+          <p:nvPr>
+            <p:ph type="sldNum" sz="quarter" idx="12"/>
+          </p:nvPr>
+        </p:nvSpPr>
+        <p:spPr/>
+        <p:txBody>
+          <a:bodyPr/>
+          <a:lstStyle/>
+          <a:p>
+            <a:fld id="{4FAB73BC-B049-4115-A692-8D63A059BFB8}" type="slidenum">
+              <a:rPr lang="en-US" smtClean="0"/>
+              <a:t>16</a:t>
+            </a:fld>
+            <a:endParaRPr lang="en-US" dirty="0"/>
+          </a:p>
+        </p:txBody>
+      </p:sp>
+    </p:spTree>
+    <p:extLst>
+      <p:ext uri="{BB962C8B-B14F-4D97-AF65-F5344CB8AC3E}">
+        <p14:creationId xmlns:p14="http://schemas.microsoft.com/office/powerpoint/2010/main" val="2271848022"/>
       </p:ext>
     </p:extLst>
   </p:cSld>

--- a/presentations/pptx/02-Plotting with ggplot2.pptx
+++ b/presentations/pptx/02-Plotting with ggplot2.pptx
@@ -223,7 +223,7 @@
           <a:p>
             <a:fld id="{5C93CA8F-50F8-44B5-B48F-4C4452AC4FCB}" type="datetimeFigureOut">
               <a:rPr lang="he-IL" smtClean="0"/>
-              <a:t>כ'/אדר ב/תשע"ט</a:t>
+              <a:t>כ"א/אדר ב/תשע"ט</a:t>
             </a:fld>
             <a:endParaRPr lang="he-IL"/>
           </a:p>
@@ -4717,6 +4717,10 @@
           <a:bodyPr/>
           <a:lstStyle/>
           <a:p>
+            <a:r>
+              <a:rPr lang="en-US"/>
+              <a:t> </a:t>
+            </a:r>
             <a:endParaRPr lang="he-IL" dirty="0"/>
           </a:p>
         </p:txBody>
